--- a/ppt 16-9/1195.教会婚礼.pptx
+++ b/ppt 16-9/1195.教会婚礼.pptx
@@ -5,7 +5,7 @@
     <p:sldMasterId id="2147483648" r:id="rId1"/>
   </p:sldMasterIdLst>
   <p:sldIdLst>
-    <p:sldId id="718" r:id="rId2"/>
+    <p:sldId id="719" r:id="rId2"/>
   </p:sldIdLst>
   <p:sldSz cx="12192000" cy="6858000"/>
   <p:notesSz cx="6858000" cy="9144000"/>
@@ -129,7 +129,7 @@
           <p:cNvPr id="2" name="标题 1">
             <a:extLst>
               <a:ext uri="{FF2B5EF4-FFF2-40B4-BE49-F238E27FC236}">
-                <a16:creationId xmlns:a16="http://schemas.microsoft.com/office/drawing/2014/main" id="{1862D067-5E81-ED2E-0FA7-790F9CD0E773}"/>
+                <a16:creationId xmlns:a16="http://schemas.microsoft.com/office/drawing/2014/main" id="{7046967B-8928-16EB-4F6A-E24B8B600373}"/>
               </a:ext>
             </a:extLst>
           </p:cNvPr>
@@ -166,7 +166,7 @@
           <p:cNvPr id="3" name="副标题 2">
             <a:extLst>
               <a:ext uri="{FF2B5EF4-FFF2-40B4-BE49-F238E27FC236}">
-                <a16:creationId xmlns:a16="http://schemas.microsoft.com/office/drawing/2014/main" id="{CDF2457A-65EF-40FE-E5D5-8216AFA4F1CB}"/>
+                <a16:creationId xmlns:a16="http://schemas.microsoft.com/office/drawing/2014/main" id="{435AE7F4-8B51-D552-8696-76544F890767}"/>
               </a:ext>
             </a:extLst>
           </p:cNvPr>
@@ -236,7 +236,7 @@
           <p:cNvPr id="4" name="日期占位符 3">
             <a:extLst>
               <a:ext uri="{FF2B5EF4-FFF2-40B4-BE49-F238E27FC236}">
-                <a16:creationId xmlns:a16="http://schemas.microsoft.com/office/drawing/2014/main" id="{5F7B5DB7-1E84-A4DD-4C64-DF8BB61C847A}"/>
+                <a16:creationId xmlns:a16="http://schemas.microsoft.com/office/drawing/2014/main" id="{325F1950-7FA9-FED7-0C91-0CC474994756}"/>
               </a:ext>
             </a:extLst>
           </p:cNvPr>
@@ -252,7 +252,7 @@
           <a:bodyPr/>
           <a:lstStyle/>
           <a:p>
-            <a:fld id="{F5B147F0-FF10-4B2B-BB9B-55A7482AE88B}" type="datetimeFigureOut">
+            <a:fld id="{ABAA227A-B17E-4995-930F-A32CBACFA1CF}" type="datetimeFigureOut">
               <a:rPr lang="zh-CN" altLang="en-US" smtClean="0"/>
               <a:t>2024/3/10</a:t>
             </a:fld>
@@ -265,7 +265,7 @@
           <p:cNvPr id="5" name="页脚占位符 4">
             <a:extLst>
               <a:ext uri="{FF2B5EF4-FFF2-40B4-BE49-F238E27FC236}">
-                <a16:creationId xmlns:a16="http://schemas.microsoft.com/office/drawing/2014/main" id="{83CEC37A-ABAD-9A85-0B14-D6A999682B1A}"/>
+                <a16:creationId xmlns:a16="http://schemas.microsoft.com/office/drawing/2014/main" id="{FC634535-2A09-5471-2B26-7B7780FAD16C}"/>
               </a:ext>
             </a:extLst>
           </p:cNvPr>
@@ -290,7 +290,7 @@
           <p:cNvPr id="6" name="灯片编号占位符 5">
             <a:extLst>
               <a:ext uri="{FF2B5EF4-FFF2-40B4-BE49-F238E27FC236}">
-                <a16:creationId xmlns:a16="http://schemas.microsoft.com/office/drawing/2014/main" id="{11729CA7-B4C6-2308-F577-5A61702A1FDD}"/>
+                <a16:creationId xmlns:a16="http://schemas.microsoft.com/office/drawing/2014/main" id="{1756EBF6-8374-7A24-B98C-A03FF0D77D53}"/>
               </a:ext>
             </a:extLst>
           </p:cNvPr>
@@ -306,7 +306,7 @@
           <a:bodyPr/>
           <a:lstStyle/>
           <a:p>
-            <a:fld id="{04F9D742-66CA-43B6-AC47-10E089F379B2}" type="slidenum">
+            <a:fld id="{713D8405-DD2C-4371-88C3-E0669B7B535B}" type="slidenum">
               <a:rPr lang="zh-CN" altLang="en-US" smtClean="0"/>
               <a:t>‹#›</a:t>
             </a:fld>
@@ -317,7 +317,7 @@
     </p:spTree>
     <p:extLst>
       <p:ext uri="{BB962C8B-B14F-4D97-AF65-F5344CB8AC3E}">
-        <p14:creationId xmlns:p14="http://schemas.microsoft.com/office/powerpoint/2010/main" val="716598759"/>
+        <p14:creationId xmlns:p14="http://schemas.microsoft.com/office/powerpoint/2010/main" val="413507307"/>
       </p:ext>
     </p:extLst>
   </p:cSld>
@@ -349,7 +349,7 @@
           <p:cNvPr id="2" name="标题 1">
             <a:extLst>
               <a:ext uri="{FF2B5EF4-FFF2-40B4-BE49-F238E27FC236}">
-                <a16:creationId xmlns:a16="http://schemas.microsoft.com/office/drawing/2014/main" id="{ABB98895-6548-DDA9-E035-27357D1B934D}"/>
+                <a16:creationId xmlns:a16="http://schemas.microsoft.com/office/drawing/2014/main" id="{496F0C35-45CA-32EC-38C2-7342B991AD09}"/>
               </a:ext>
             </a:extLst>
           </p:cNvPr>
@@ -377,7 +377,7 @@
           <p:cNvPr id="3" name="竖排文字占位符 2">
             <a:extLst>
               <a:ext uri="{FF2B5EF4-FFF2-40B4-BE49-F238E27FC236}">
-                <a16:creationId xmlns:a16="http://schemas.microsoft.com/office/drawing/2014/main" id="{31FF8A16-18D3-85EB-4344-01F8909E6502}"/>
+                <a16:creationId xmlns:a16="http://schemas.microsoft.com/office/drawing/2014/main" id="{4A4DF429-A5F1-E9A8-E1FA-24F9CF49961A}"/>
               </a:ext>
             </a:extLst>
           </p:cNvPr>
@@ -434,7 +434,7 @@
           <p:cNvPr id="4" name="日期占位符 3">
             <a:extLst>
               <a:ext uri="{FF2B5EF4-FFF2-40B4-BE49-F238E27FC236}">
-                <a16:creationId xmlns:a16="http://schemas.microsoft.com/office/drawing/2014/main" id="{DB2797D6-9CBB-1312-9D77-534FE1750337}"/>
+                <a16:creationId xmlns:a16="http://schemas.microsoft.com/office/drawing/2014/main" id="{D1796CBD-F196-8658-46D9-8B75CA196526}"/>
               </a:ext>
             </a:extLst>
           </p:cNvPr>
@@ -450,7 +450,7 @@
           <a:bodyPr/>
           <a:lstStyle/>
           <a:p>
-            <a:fld id="{F5B147F0-FF10-4B2B-BB9B-55A7482AE88B}" type="datetimeFigureOut">
+            <a:fld id="{ABAA227A-B17E-4995-930F-A32CBACFA1CF}" type="datetimeFigureOut">
               <a:rPr lang="zh-CN" altLang="en-US" smtClean="0"/>
               <a:t>2024/3/10</a:t>
             </a:fld>
@@ -463,7 +463,7 @@
           <p:cNvPr id="5" name="页脚占位符 4">
             <a:extLst>
               <a:ext uri="{FF2B5EF4-FFF2-40B4-BE49-F238E27FC236}">
-                <a16:creationId xmlns:a16="http://schemas.microsoft.com/office/drawing/2014/main" id="{B7D6D662-E834-E1A3-5177-5AC3866C2934}"/>
+                <a16:creationId xmlns:a16="http://schemas.microsoft.com/office/drawing/2014/main" id="{5B8991B0-A45E-B6DE-D55C-6FC715DFB0DD}"/>
               </a:ext>
             </a:extLst>
           </p:cNvPr>
@@ -488,7 +488,7 @@
           <p:cNvPr id="6" name="灯片编号占位符 5">
             <a:extLst>
               <a:ext uri="{FF2B5EF4-FFF2-40B4-BE49-F238E27FC236}">
-                <a16:creationId xmlns:a16="http://schemas.microsoft.com/office/drawing/2014/main" id="{432D3013-1B5F-D7C6-AE9B-733BE815A8B0}"/>
+                <a16:creationId xmlns:a16="http://schemas.microsoft.com/office/drawing/2014/main" id="{A9204970-632B-4E2B-0412-0ADC1709063F}"/>
               </a:ext>
             </a:extLst>
           </p:cNvPr>
@@ -504,7 +504,7 @@
           <a:bodyPr/>
           <a:lstStyle/>
           <a:p>
-            <a:fld id="{04F9D742-66CA-43B6-AC47-10E089F379B2}" type="slidenum">
+            <a:fld id="{713D8405-DD2C-4371-88C3-E0669B7B535B}" type="slidenum">
               <a:rPr lang="zh-CN" altLang="en-US" smtClean="0"/>
               <a:t>‹#›</a:t>
             </a:fld>
@@ -515,7 +515,7 @@
     </p:spTree>
     <p:extLst>
       <p:ext uri="{BB962C8B-B14F-4D97-AF65-F5344CB8AC3E}">
-        <p14:creationId xmlns:p14="http://schemas.microsoft.com/office/powerpoint/2010/main" val="1127780684"/>
+        <p14:creationId xmlns:p14="http://schemas.microsoft.com/office/powerpoint/2010/main" val="3583598362"/>
       </p:ext>
     </p:extLst>
   </p:cSld>
@@ -547,7 +547,7 @@
           <p:cNvPr id="2" name="竖排标题 1">
             <a:extLst>
               <a:ext uri="{FF2B5EF4-FFF2-40B4-BE49-F238E27FC236}">
-                <a16:creationId xmlns:a16="http://schemas.microsoft.com/office/drawing/2014/main" id="{6DE03617-077E-46C4-A738-A2449E9E491D}"/>
+                <a16:creationId xmlns:a16="http://schemas.microsoft.com/office/drawing/2014/main" id="{E1B71342-38AE-9B0A-C7D7-23948240DE1D}"/>
               </a:ext>
             </a:extLst>
           </p:cNvPr>
@@ -580,7 +580,7 @@
           <p:cNvPr id="3" name="竖排文字占位符 2">
             <a:extLst>
               <a:ext uri="{FF2B5EF4-FFF2-40B4-BE49-F238E27FC236}">
-                <a16:creationId xmlns:a16="http://schemas.microsoft.com/office/drawing/2014/main" id="{30ADC0B5-7E9D-D588-2CD2-E66EC01D41FE}"/>
+                <a16:creationId xmlns:a16="http://schemas.microsoft.com/office/drawing/2014/main" id="{09A24081-66FF-F91C-D028-6909AD726A50}"/>
               </a:ext>
             </a:extLst>
           </p:cNvPr>
@@ -642,7 +642,7 @@
           <p:cNvPr id="4" name="日期占位符 3">
             <a:extLst>
               <a:ext uri="{FF2B5EF4-FFF2-40B4-BE49-F238E27FC236}">
-                <a16:creationId xmlns:a16="http://schemas.microsoft.com/office/drawing/2014/main" id="{68ED55BB-D51E-415E-12AD-B77BF48591AC}"/>
+                <a16:creationId xmlns:a16="http://schemas.microsoft.com/office/drawing/2014/main" id="{0853D3D7-C5E6-F3E7-F46D-CF7CD5A131D4}"/>
               </a:ext>
             </a:extLst>
           </p:cNvPr>
@@ -658,7 +658,7 @@
           <a:bodyPr/>
           <a:lstStyle/>
           <a:p>
-            <a:fld id="{F5B147F0-FF10-4B2B-BB9B-55A7482AE88B}" type="datetimeFigureOut">
+            <a:fld id="{ABAA227A-B17E-4995-930F-A32CBACFA1CF}" type="datetimeFigureOut">
               <a:rPr lang="zh-CN" altLang="en-US" smtClean="0"/>
               <a:t>2024/3/10</a:t>
             </a:fld>
@@ -671,7 +671,7 @@
           <p:cNvPr id="5" name="页脚占位符 4">
             <a:extLst>
               <a:ext uri="{FF2B5EF4-FFF2-40B4-BE49-F238E27FC236}">
-                <a16:creationId xmlns:a16="http://schemas.microsoft.com/office/drawing/2014/main" id="{B4B05C38-E288-A72D-C5FB-3B00B83BFC6D}"/>
+                <a16:creationId xmlns:a16="http://schemas.microsoft.com/office/drawing/2014/main" id="{38442C3F-E5F1-490A-9523-FB36BA62F09A}"/>
               </a:ext>
             </a:extLst>
           </p:cNvPr>
@@ -696,7 +696,7 @@
           <p:cNvPr id="6" name="灯片编号占位符 5">
             <a:extLst>
               <a:ext uri="{FF2B5EF4-FFF2-40B4-BE49-F238E27FC236}">
-                <a16:creationId xmlns:a16="http://schemas.microsoft.com/office/drawing/2014/main" id="{B74E21D9-7D2B-494A-0AED-7C1156438272}"/>
+                <a16:creationId xmlns:a16="http://schemas.microsoft.com/office/drawing/2014/main" id="{BACA6A7A-7378-5A63-EEC3-818650138E41}"/>
               </a:ext>
             </a:extLst>
           </p:cNvPr>
@@ -712,7 +712,7 @@
           <a:bodyPr/>
           <a:lstStyle/>
           <a:p>
-            <a:fld id="{04F9D742-66CA-43B6-AC47-10E089F379B2}" type="slidenum">
+            <a:fld id="{713D8405-DD2C-4371-88C3-E0669B7B535B}" type="slidenum">
               <a:rPr lang="zh-CN" altLang="en-US" smtClean="0"/>
               <a:t>‹#›</a:t>
             </a:fld>
@@ -723,7 +723,7 @@
     </p:spTree>
     <p:extLst>
       <p:ext uri="{BB962C8B-B14F-4D97-AF65-F5344CB8AC3E}">
-        <p14:creationId xmlns:p14="http://schemas.microsoft.com/office/powerpoint/2010/main" val="1265196952"/>
+        <p14:creationId xmlns:p14="http://schemas.microsoft.com/office/powerpoint/2010/main" val="2897860990"/>
       </p:ext>
     </p:extLst>
   </p:cSld>
@@ -755,7 +755,7 @@
           <p:cNvPr id="2" name="标题 1">
             <a:extLst>
               <a:ext uri="{FF2B5EF4-FFF2-40B4-BE49-F238E27FC236}">
-                <a16:creationId xmlns:a16="http://schemas.microsoft.com/office/drawing/2014/main" id="{79FC223F-193C-DDB3-4603-BDF5FBDFC1F5}"/>
+                <a16:creationId xmlns:a16="http://schemas.microsoft.com/office/drawing/2014/main" id="{0A7A9759-848C-D524-80AA-829D1D6B8388}"/>
               </a:ext>
             </a:extLst>
           </p:cNvPr>
@@ -783,7 +783,7 @@
           <p:cNvPr id="3" name="内容占位符 2">
             <a:extLst>
               <a:ext uri="{FF2B5EF4-FFF2-40B4-BE49-F238E27FC236}">
-                <a16:creationId xmlns:a16="http://schemas.microsoft.com/office/drawing/2014/main" id="{B773C6C9-F3A3-86D8-4774-E1F39149E99C}"/>
+                <a16:creationId xmlns:a16="http://schemas.microsoft.com/office/drawing/2014/main" id="{39BDEE3E-225A-B7AF-CEA4-6D91D3FFFF8E}"/>
               </a:ext>
             </a:extLst>
           </p:cNvPr>
@@ -840,7 +840,7 @@
           <p:cNvPr id="4" name="日期占位符 3">
             <a:extLst>
               <a:ext uri="{FF2B5EF4-FFF2-40B4-BE49-F238E27FC236}">
-                <a16:creationId xmlns:a16="http://schemas.microsoft.com/office/drawing/2014/main" id="{861FDB84-11CB-E6D1-E816-367E8F2A8931}"/>
+                <a16:creationId xmlns:a16="http://schemas.microsoft.com/office/drawing/2014/main" id="{87004146-4F80-96B6-76A1-FA55A515A77D}"/>
               </a:ext>
             </a:extLst>
           </p:cNvPr>
@@ -856,7 +856,7 @@
           <a:bodyPr/>
           <a:lstStyle/>
           <a:p>
-            <a:fld id="{F5B147F0-FF10-4B2B-BB9B-55A7482AE88B}" type="datetimeFigureOut">
+            <a:fld id="{ABAA227A-B17E-4995-930F-A32CBACFA1CF}" type="datetimeFigureOut">
               <a:rPr lang="zh-CN" altLang="en-US" smtClean="0"/>
               <a:t>2024/3/10</a:t>
             </a:fld>
@@ -869,7 +869,7 @@
           <p:cNvPr id="5" name="页脚占位符 4">
             <a:extLst>
               <a:ext uri="{FF2B5EF4-FFF2-40B4-BE49-F238E27FC236}">
-                <a16:creationId xmlns:a16="http://schemas.microsoft.com/office/drawing/2014/main" id="{0169A5F7-F741-6242-A4E0-1D51D97B8DCD}"/>
+                <a16:creationId xmlns:a16="http://schemas.microsoft.com/office/drawing/2014/main" id="{0E3395C8-771F-50D4-132E-7EB5F955AE33}"/>
               </a:ext>
             </a:extLst>
           </p:cNvPr>
@@ -894,7 +894,7 @@
           <p:cNvPr id="6" name="灯片编号占位符 5">
             <a:extLst>
               <a:ext uri="{FF2B5EF4-FFF2-40B4-BE49-F238E27FC236}">
-                <a16:creationId xmlns:a16="http://schemas.microsoft.com/office/drawing/2014/main" id="{835A775A-D7DA-C972-C78B-9D7F213EA74E}"/>
+                <a16:creationId xmlns:a16="http://schemas.microsoft.com/office/drawing/2014/main" id="{7FF03BD6-F75B-D312-D3E0-78C079F46800}"/>
               </a:ext>
             </a:extLst>
           </p:cNvPr>
@@ -910,7 +910,7 @@
           <a:bodyPr/>
           <a:lstStyle/>
           <a:p>
-            <a:fld id="{04F9D742-66CA-43B6-AC47-10E089F379B2}" type="slidenum">
+            <a:fld id="{713D8405-DD2C-4371-88C3-E0669B7B535B}" type="slidenum">
               <a:rPr lang="zh-CN" altLang="en-US" smtClean="0"/>
               <a:t>‹#›</a:t>
             </a:fld>
@@ -921,7 +921,7 @@
     </p:spTree>
     <p:extLst>
       <p:ext uri="{BB962C8B-B14F-4D97-AF65-F5344CB8AC3E}">
-        <p14:creationId xmlns:p14="http://schemas.microsoft.com/office/powerpoint/2010/main" val="3412552604"/>
+        <p14:creationId xmlns:p14="http://schemas.microsoft.com/office/powerpoint/2010/main" val="3886654521"/>
       </p:ext>
     </p:extLst>
   </p:cSld>
@@ -953,7 +953,7 @@
           <p:cNvPr id="2" name="标题 1">
             <a:extLst>
               <a:ext uri="{FF2B5EF4-FFF2-40B4-BE49-F238E27FC236}">
-                <a16:creationId xmlns:a16="http://schemas.microsoft.com/office/drawing/2014/main" id="{4E6FDF4F-8A9B-2410-8B2C-6B6889CD460E}"/>
+                <a16:creationId xmlns:a16="http://schemas.microsoft.com/office/drawing/2014/main" id="{24DEF3F6-AFDA-5FC0-6F0C-D81671B3D106}"/>
               </a:ext>
             </a:extLst>
           </p:cNvPr>
@@ -990,7 +990,7 @@
           <p:cNvPr id="3" name="文本占位符 2">
             <a:extLst>
               <a:ext uri="{FF2B5EF4-FFF2-40B4-BE49-F238E27FC236}">
-                <a16:creationId xmlns:a16="http://schemas.microsoft.com/office/drawing/2014/main" id="{65F51DB2-BB05-52AA-8708-BDAE317FDBD7}"/>
+                <a16:creationId xmlns:a16="http://schemas.microsoft.com/office/drawing/2014/main" id="{396C93F6-8915-C346-990C-04C14FE5543F}"/>
               </a:ext>
             </a:extLst>
           </p:cNvPr>
@@ -1115,7 +1115,7 @@
           <p:cNvPr id="4" name="日期占位符 3">
             <a:extLst>
               <a:ext uri="{FF2B5EF4-FFF2-40B4-BE49-F238E27FC236}">
-                <a16:creationId xmlns:a16="http://schemas.microsoft.com/office/drawing/2014/main" id="{C15AD5B5-DF14-3AC1-C1A2-3444FCE3412B}"/>
+                <a16:creationId xmlns:a16="http://schemas.microsoft.com/office/drawing/2014/main" id="{93731F79-2650-ACC3-370B-D51FD1867F44}"/>
               </a:ext>
             </a:extLst>
           </p:cNvPr>
@@ -1131,7 +1131,7 @@
           <a:bodyPr/>
           <a:lstStyle/>
           <a:p>
-            <a:fld id="{F5B147F0-FF10-4B2B-BB9B-55A7482AE88B}" type="datetimeFigureOut">
+            <a:fld id="{ABAA227A-B17E-4995-930F-A32CBACFA1CF}" type="datetimeFigureOut">
               <a:rPr lang="zh-CN" altLang="en-US" smtClean="0"/>
               <a:t>2024/3/10</a:t>
             </a:fld>
@@ -1144,7 +1144,7 @@
           <p:cNvPr id="5" name="页脚占位符 4">
             <a:extLst>
               <a:ext uri="{FF2B5EF4-FFF2-40B4-BE49-F238E27FC236}">
-                <a16:creationId xmlns:a16="http://schemas.microsoft.com/office/drawing/2014/main" id="{F9350CD6-62AC-3C58-2155-D2F2899761D2}"/>
+                <a16:creationId xmlns:a16="http://schemas.microsoft.com/office/drawing/2014/main" id="{B17F7A74-B3AF-6A85-E70B-EAE013C823C3}"/>
               </a:ext>
             </a:extLst>
           </p:cNvPr>
@@ -1169,7 +1169,7 @@
           <p:cNvPr id="6" name="灯片编号占位符 5">
             <a:extLst>
               <a:ext uri="{FF2B5EF4-FFF2-40B4-BE49-F238E27FC236}">
-                <a16:creationId xmlns:a16="http://schemas.microsoft.com/office/drawing/2014/main" id="{0055F175-E9AC-BF7B-29FD-37AFF6AEAFAA}"/>
+                <a16:creationId xmlns:a16="http://schemas.microsoft.com/office/drawing/2014/main" id="{367C300D-FD53-1CD7-23A0-AD6216F429E2}"/>
               </a:ext>
             </a:extLst>
           </p:cNvPr>
@@ -1185,7 +1185,7 @@
           <a:bodyPr/>
           <a:lstStyle/>
           <a:p>
-            <a:fld id="{04F9D742-66CA-43B6-AC47-10E089F379B2}" type="slidenum">
+            <a:fld id="{713D8405-DD2C-4371-88C3-E0669B7B535B}" type="slidenum">
               <a:rPr lang="zh-CN" altLang="en-US" smtClean="0"/>
               <a:t>‹#›</a:t>
             </a:fld>
@@ -1196,7 +1196,7 @@
     </p:spTree>
     <p:extLst>
       <p:ext uri="{BB962C8B-B14F-4D97-AF65-F5344CB8AC3E}">
-        <p14:creationId xmlns:p14="http://schemas.microsoft.com/office/powerpoint/2010/main" val="3703629350"/>
+        <p14:creationId xmlns:p14="http://schemas.microsoft.com/office/powerpoint/2010/main" val="1872630591"/>
       </p:ext>
     </p:extLst>
   </p:cSld>
@@ -1228,7 +1228,7 @@
           <p:cNvPr id="2" name="标题 1">
             <a:extLst>
               <a:ext uri="{FF2B5EF4-FFF2-40B4-BE49-F238E27FC236}">
-                <a16:creationId xmlns:a16="http://schemas.microsoft.com/office/drawing/2014/main" id="{4142FC44-FF01-5BD9-450E-96FDF06829EF}"/>
+                <a16:creationId xmlns:a16="http://schemas.microsoft.com/office/drawing/2014/main" id="{D068BBB8-9BB3-52F0-B388-B92E46350B53}"/>
               </a:ext>
             </a:extLst>
           </p:cNvPr>
@@ -1256,7 +1256,7 @@
           <p:cNvPr id="3" name="内容占位符 2">
             <a:extLst>
               <a:ext uri="{FF2B5EF4-FFF2-40B4-BE49-F238E27FC236}">
-                <a16:creationId xmlns:a16="http://schemas.microsoft.com/office/drawing/2014/main" id="{09922CA0-3C54-3802-1EFE-9280DEBCD6A4}"/>
+                <a16:creationId xmlns:a16="http://schemas.microsoft.com/office/drawing/2014/main" id="{4B074660-04AD-450E-E48D-4EDF7CCF3FC4}"/>
               </a:ext>
             </a:extLst>
           </p:cNvPr>
@@ -1318,7 +1318,7 @@
           <p:cNvPr id="4" name="内容占位符 3">
             <a:extLst>
               <a:ext uri="{FF2B5EF4-FFF2-40B4-BE49-F238E27FC236}">
-                <a16:creationId xmlns:a16="http://schemas.microsoft.com/office/drawing/2014/main" id="{EB9277C5-790B-3355-8EDA-6EE173F6BEB4}"/>
+                <a16:creationId xmlns:a16="http://schemas.microsoft.com/office/drawing/2014/main" id="{F83F28BF-9D8B-6BD9-74CC-1D5F252F1413}"/>
               </a:ext>
             </a:extLst>
           </p:cNvPr>
@@ -1380,7 +1380,7 @@
           <p:cNvPr id="5" name="日期占位符 4">
             <a:extLst>
               <a:ext uri="{FF2B5EF4-FFF2-40B4-BE49-F238E27FC236}">
-                <a16:creationId xmlns:a16="http://schemas.microsoft.com/office/drawing/2014/main" id="{BF12FD50-68E6-B905-5BAE-53BF0B43E268}"/>
+                <a16:creationId xmlns:a16="http://schemas.microsoft.com/office/drawing/2014/main" id="{BF021E48-FFAE-CB77-875F-746A975AD76F}"/>
               </a:ext>
             </a:extLst>
           </p:cNvPr>
@@ -1396,7 +1396,7 @@
           <a:bodyPr/>
           <a:lstStyle/>
           <a:p>
-            <a:fld id="{F5B147F0-FF10-4B2B-BB9B-55A7482AE88B}" type="datetimeFigureOut">
+            <a:fld id="{ABAA227A-B17E-4995-930F-A32CBACFA1CF}" type="datetimeFigureOut">
               <a:rPr lang="zh-CN" altLang="en-US" smtClean="0"/>
               <a:t>2024/3/10</a:t>
             </a:fld>
@@ -1409,7 +1409,7 @@
           <p:cNvPr id="6" name="页脚占位符 5">
             <a:extLst>
               <a:ext uri="{FF2B5EF4-FFF2-40B4-BE49-F238E27FC236}">
-                <a16:creationId xmlns:a16="http://schemas.microsoft.com/office/drawing/2014/main" id="{B31510B1-6BBD-F177-F0CB-EA4129A1F451}"/>
+                <a16:creationId xmlns:a16="http://schemas.microsoft.com/office/drawing/2014/main" id="{74C22A10-2114-035F-38D5-8B58DA549C4F}"/>
               </a:ext>
             </a:extLst>
           </p:cNvPr>
@@ -1434,7 +1434,7 @@
           <p:cNvPr id="7" name="灯片编号占位符 6">
             <a:extLst>
               <a:ext uri="{FF2B5EF4-FFF2-40B4-BE49-F238E27FC236}">
-                <a16:creationId xmlns:a16="http://schemas.microsoft.com/office/drawing/2014/main" id="{4527265F-C3F7-8033-F3A5-189373797ECC}"/>
+                <a16:creationId xmlns:a16="http://schemas.microsoft.com/office/drawing/2014/main" id="{3A987D81-F130-C114-EAC0-6287B075E3D9}"/>
               </a:ext>
             </a:extLst>
           </p:cNvPr>
@@ -1450,7 +1450,7 @@
           <a:bodyPr/>
           <a:lstStyle/>
           <a:p>
-            <a:fld id="{04F9D742-66CA-43B6-AC47-10E089F379B2}" type="slidenum">
+            <a:fld id="{713D8405-DD2C-4371-88C3-E0669B7B535B}" type="slidenum">
               <a:rPr lang="zh-CN" altLang="en-US" smtClean="0"/>
               <a:t>‹#›</a:t>
             </a:fld>
@@ -1461,7 +1461,7 @@
     </p:spTree>
     <p:extLst>
       <p:ext uri="{BB962C8B-B14F-4D97-AF65-F5344CB8AC3E}">
-        <p14:creationId xmlns:p14="http://schemas.microsoft.com/office/powerpoint/2010/main" val="2627739401"/>
+        <p14:creationId xmlns:p14="http://schemas.microsoft.com/office/powerpoint/2010/main" val="2506581845"/>
       </p:ext>
     </p:extLst>
   </p:cSld>
@@ -1493,7 +1493,7 @@
           <p:cNvPr id="2" name="标题 1">
             <a:extLst>
               <a:ext uri="{FF2B5EF4-FFF2-40B4-BE49-F238E27FC236}">
-                <a16:creationId xmlns:a16="http://schemas.microsoft.com/office/drawing/2014/main" id="{326D1220-5BC1-602D-5DE4-02BF6E1E6BFE}"/>
+                <a16:creationId xmlns:a16="http://schemas.microsoft.com/office/drawing/2014/main" id="{5F287BA1-084B-26E0-EA06-E5D8D394765A}"/>
               </a:ext>
             </a:extLst>
           </p:cNvPr>
@@ -1526,7 +1526,7 @@
           <p:cNvPr id="3" name="文本占位符 2">
             <a:extLst>
               <a:ext uri="{FF2B5EF4-FFF2-40B4-BE49-F238E27FC236}">
-                <a16:creationId xmlns:a16="http://schemas.microsoft.com/office/drawing/2014/main" id="{C7678317-A61C-6BFA-B05D-AB6349EBEF51}"/>
+                <a16:creationId xmlns:a16="http://schemas.microsoft.com/office/drawing/2014/main" id="{D57B9755-2755-BB0C-DDC6-49D2107B5E12}"/>
               </a:ext>
             </a:extLst>
           </p:cNvPr>
@@ -1597,7 +1597,7 @@
           <p:cNvPr id="4" name="内容占位符 3">
             <a:extLst>
               <a:ext uri="{FF2B5EF4-FFF2-40B4-BE49-F238E27FC236}">
-                <a16:creationId xmlns:a16="http://schemas.microsoft.com/office/drawing/2014/main" id="{8C90D193-6D9B-3F9F-0DA3-06FCC3CF5C04}"/>
+                <a16:creationId xmlns:a16="http://schemas.microsoft.com/office/drawing/2014/main" id="{59A52796-FDA9-C3A9-BDD8-FA460ED9CCDD}"/>
               </a:ext>
             </a:extLst>
           </p:cNvPr>
@@ -1659,7 +1659,7 @@
           <p:cNvPr id="5" name="文本占位符 4">
             <a:extLst>
               <a:ext uri="{FF2B5EF4-FFF2-40B4-BE49-F238E27FC236}">
-                <a16:creationId xmlns:a16="http://schemas.microsoft.com/office/drawing/2014/main" id="{B4DAB552-02C7-BB66-5BFF-02F57A06B72C}"/>
+                <a16:creationId xmlns:a16="http://schemas.microsoft.com/office/drawing/2014/main" id="{055A4F7C-5EA8-86D8-77CF-F3AD65CD4867}"/>
               </a:ext>
             </a:extLst>
           </p:cNvPr>
@@ -1730,7 +1730,7 @@
           <p:cNvPr id="6" name="内容占位符 5">
             <a:extLst>
               <a:ext uri="{FF2B5EF4-FFF2-40B4-BE49-F238E27FC236}">
-                <a16:creationId xmlns:a16="http://schemas.microsoft.com/office/drawing/2014/main" id="{AB7AF915-360A-A38C-5D98-C91FAE07B8E6}"/>
+                <a16:creationId xmlns:a16="http://schemas.microsoft.com/office/drawing/2014/main" id="{8C89A18B-5024-984A-8A8F-84A9F882D4E6}"/>
               </a:ext>
             </a:extLst>
           </p:cNvPr>
@@ -1792,7 +1792,7 @@
           <p:cNvPr id="7" name="日期占位符 6">
             <a:extLst>
               <a:ext uri="{FF2B5EF4-FFF2-40B4-BE49-F238E27FC236}">
-                <a16:creationId xmlns:a16="http://schemas.microsoft.com/office/drawing/2014/main" id="{F8BE09B4-2D95-ECD1-378B-CE452162B173}"/>
+                <a16:creationId xmlns:a16="http://schemas.microsoft.com/office/drawing/2014/main" id="{6C1BDA5A-080C-5E43-D9C9-7B96CC7B4B5A}"/>
               </a:ext>
             </a:extLst>
           </p:cNvPr>
@@ -1808,7 +1808,7 @@
           <a:bodyPr/>
           <a:lstStyle/>
           <a:p>
-            <a:fld id="{F5B147F0-FF10-4B2B-BB9B-55A7482AE88B}" type="datetimeFigureOut">
+            <a:fld id="{ABAA227A-B17E-4995-930F-A32CBACFA1CF}" type="datetimeFigureOut">
               <a:rPr lang="zh-CN" altLang="en-US" smtClean="0"/>
               <a:t>2024/3/10</a:t>
             </a:fld>
@@ -1821,7 +1821,7 @@
           <p:cNvPr id="8" name="页脚占位符 7">
             <a:extLst>
               <a:ext uri="{FF2B5EF4-FFF2-40B4-BE49-F238E27FC236}">
-                <a16:creationId xmlns:a16="http://schemas.microsoft.com/office/drawing/2014/main" id="{2A0121EF-84F7-7EED-C2D4-192016BACD55}"/>
+                <a16:creationId xmlns:a16="http://schemas.microsoft.com/office/drawing/2014/main" id="{D1049EBD-4BA9-4BDB-8715-A843FC6A89FF}"/>
               </a:ext>
             </a:extLst>
           </p:cNvPr>
@@ -1846,7 +1846,7 @@
           <p:cNvPr id="9" name="灯片编号占位符 8">
             <a:extLst>
               <a:ext uri="{FF2B5EF4-FFF2-40B4-BE49-F238E27FC236}">
-                <a16:creationId xmlns:a16="http://schemas.microsoft.com/office/drawing/2014/main" id="{2F9CDFF2-E390-B8DB-3A7E-CB73A42713A9}"/>
+                <a16:creationId xmlns:a16="http://schemas.microsoft.com/office/drawing/2014/main" id="{91830D4F-861E-76A5-F8D3-3B8EA96EB10B}"/>
               </a:ext>
             </a:extLst>
           </p:cNvPr>
@@ -1862,7 +1862,7 @@
           <a:bodyPr/>
           <a:lstStyle/>
           <a:p>
-            <a:fld id="{04F9D742-66CA-43B6-AC47-10E089F379B2}" type="slidenum">
+            <a:fld id="{713D8405-DD2C-4371-88C3-E0669B7B535B}" type="slidenum">
               <a:rPr lang="zh-CN" altLang="en-US" smtClean="0"/>
               <a:t>‹#›</a:t>
             </a:fld>
@@ -1873,7 +1873,7 @@
     </p:spTree>
     <p:extLst>
       <p:ext uri="{BB962C8B-B14F-4D97-AF65-F5344CB8AC3E}">
-        <p14:creationId xmlns:p14="http://schemas.microsoft.com/office/powerpoint/2010/main" val="3285137975"/>
+        <p14:creationId xmlns:p14="http://schemas.microsoft.com/office/powerpoint/2010/main" val="2580287125"/>
       </p:ext>
     </p:extLst>
   </p:cSld>
@@ -1905,7 +1905,7 @@
           <p:cNvPr id="2" name="标题 1">
             <a:extLst>
               <a:ext uri="{FF2B5EF4-FFF2-40B4-BE49-F238E27FC236}">
-                <a16:creationId xmlns:a16="http://schemas.microsoft.com/office/drawing/2014/main" id="{30F83901-03DE-45A6-FA62-2CB027318F74}"/>
+                <a16:creationId xmlns:a16="http://schemas.microsoft.com/office/drawing/2014/main" id="{BB6A5726-2781-736F-F029-E33F57864063}"/>
               </a:ext>
             </a:extLst>
           </p:cNvPr>
@@ -1933,7 +1933,7 @@
           <p:cNvPr id="3" name="日期占位符 2">
             <a:extLst>
               <a:ext uri="{FF2B5EF4-FFF2-40B4-BE49-F238E27FC236}">
-                <a16:creationId xmlns:a16="http://schemas.microsoft.com/office/drawing/2014/main" id="{9B0AD5D4-3BB7-CED8-BD09-4F7EF36667B7}"/>
+                <a16:creationId xmlns:a16="http://schemas.microsoft.com/office/drawing/2014/main" id="{33E91EB7-CC39-D47B-D213-E2431341E1CB}"/>
               </a:ext>
             </a:extLst>
           </p:cNvPr>
@@ -1949,7 +1949,7 @@
           <a:bodyPr/>
           <a:lstStyle/>
           <a:p>
-            <a:fld id="{F5B147F0-FF10-4B2B-BB9B-55A7482AE88B}" type="datetimeFigureOut">
+            <a:fld id="{ABAA227A-B17E-4995-930F-A32CBACFA1CF}" type="datetimeFigureOut">
               <a:rPr lang="zh-CN" altLang="en-US" smtClean="0"/>
               <a:t>2024/3/10</a:t>
             </a:fld>
@@ -1962,7 +1962,7 @@
           <p:cNvPr id="4" name="页脚占位符 3">
             <a:extLst>
               <a:ext uri="{FF2B5EF4-FFF2-40B4-BE49-F238E27FC236}">
-                <a16:creationId xmlns:a16="http://schemas.microsoft.com/office/drawing/2014/main" id="{03AD6759-04A9-5DCA-1845-884EB043B209}"/>
+                <a16:creationId xmlns:a16="http://schemas.microsoft.com/office/drawing/2014/main" id="{0F4984EA-A9E5-48F3-75C8-3CEBFE372C87}"/>
               </a:ext>
             </a:extLst>
           </p:cNvPr>
@@ -1987,7 +1987,7 @@
           <p:cNvPr id="5" name="灯片编号占位符 4">
             <a:extLst>
               <a:ext uri="{FF2B5EF4-FFF2-40B4-BE49-F238E27FC236}">
-                <a16:creationId xmlns:a16="http://schemas.microsoft.com/office/drawing/2014/main" id="{A82BBF6C-8910-1854-8BA5-90BB5809F566}"/>
+                <a16:creationId xmlns:a16="http://schemas.microsoft.com/office/drawing/2014/main" id="{63337E9A-3CDB-2298-5F26-30463027D922}"/>
               </a:ext>
             </a:extLst>
           </p:cNvPr>
@@ -2003,7 +2003,7 @@
           <a:bodyPr/>
           <a:lstStyle/>
           <a:p>
-            <a:fld id="{04F9D742-66CA-43B6-AC47-10E089F379B2}" type="slidenum">
+            <a:fld id="{713D8405-DD2C-4371-88C3-E0669B7B535B}" type="slidenum">
               <a:rPr lang="zh-CN" altLang="en-US" smtClean="0"/>
               <a:t>‹#›</a:t>
             </a:fld>
@@ -2014,7 +2014,7 @@
     </p:spTree>
     <p:extLst>
       <p:ext uri="{BB962C8B-B14F-4D97-AF65-F5344CB8AC3E}">
-        <p14:creationId xmlns:p14="http://schemas.microsoft.com/office/powerpoint/2010/main" val="2517089833"/>
+        <p14:creationId xmlns:p14="http://schemas.microsoft.com/office/powerpoint/2010/main" val="786323187"/>
       </p:ext>
     </p:extLst>
   </p:cSld>
@@ -2046,7 +2046,7 @@
           <p:cNvPr id="2" name="日期占位符 1">
             <a:extLst>
               <a:ext uri="{FF2B5EF4-FFF2-40B4-BE49-F238E27FC236}">
-                <a16:creationId xmlns:a16="http://schemas.microsoft.com/office/drawing/2014/main" id="{AE3A5142-013C-CF2F-F629-C16368D411C9}"/>
+                <a16:creationId xmlns:a16="http://schemas.microsoft.com/office/drawing/2014/main" id="{5CAE5356-872B-FF2C-C968-0DFC12674D25}"/>
               </a:ext>
             </a:extLst>
           </p:cNvPr>
@@ -2062,7 +2062,7 @@
           <a:bodyPr/>
           <a:lstStyle/>
           <a:p>
-            <a:fld id="{F5B147F0-FF10-4B2B-BB9B-55A7482AE88B}" type="datetimeFigureOut">
+            <a:fld id="{ABAA227A-B17E-4995-930F-A32CBACFA1CF}" type="datetimeFigureOut">
               <a:rPr lang="zh-CN" altLang="en-US" smtClean="0"/>
               <a:t>2024/3/10</a:t>
             </a:fld>
@@ -2075,7 +2075,7 @@
           <p:cNvPr id="3" name="页脚占位符 2">
             <a:extLst>
               <a:ext uri="{FF2B5EF4-FFF2-40B4-BE49-F238E27FC236}">
-                <a16:creationId xmlns:a16="http://schemas.microsoft.com/office/drawing/2014/main" id="{53F354D5-E908-BB90-9F5E-CE160BB8F537}"/>
+                <a16:creationId xmlns:a16="http://schemas.microsoft.com/office/drawing/2014/main" id="{C4E220B0-5694-9011-8286-F56DB7C83236}"/>
               </a:ext>
             </a:extLst>
           </p:cNvPr>
@@ -2100,7 +2100,7 @@
           <p:cNvPr id="4" name="灯片编号占位符 3">
             <a:extLst>
               <a:ext uri="{FF2B5EF4-FFF2-40B4-BE49-F238E27FC236}">
-                <a16:creationId xmlns:a16="http://schemas.microsoft.com/office/drawing/2014/main" id="{65C7881B-42C2-0946-F2C0-A804A1AC0EA4}"/>
+                <a16:creationId xmlns:a16="http://schemas.microsoft.com/office/drawing/2014/main" id="{B842A61A-42A8-8F24-8520-911221DB1114}"/>
               </a:ext>
             </a:extLst>
           </p:cNvPr>
@@ -2116,7 +2116,7 @@
           <a:bodyPr/>
           <a:lstStyle/>
           <a:p>
-            <a:fld id="{04F9D742-66CA-43B6-AC47-10E089F379B2}" type="slidenum">
+            <a:fld id="{713D8405-DD2C-4371-88C3-E0669B7B535B}" type="slidenum">
               <a:rPr lang="zh-CN" altLang="en-US" smtClean="0"/>
               <a:t>‹#›</a:t>
             </a:fld>
@@ -2127,7 +2127,7 @@
     </p:spTree>
     <p:extLst>
       <p:ext uri="{BB962C8B-B14F-4D97-AF65-F5344CB8AC3E}">
-        <p14:creationId xmlns:p14="http://schemas.microsoft.com/office/powerpoint/2010/main" val="590646599"/>
+        <p14:creationId xmlns:p14="http://schemas.microsoft.com/office/powerpoint/2010/main" val="709212397"/>
       </p:ext>
     </p:extLst>
   </p:cSld>
@@ -2159,7 +2159,7 @@
           <p:cNvPr id="2" name="标题 1">
             <a:extLst>
               <a:ext uri="{FF2B5EF4-FFF2-40B4-BE49-F238E27FC236}">
-                <a16:creationId xmlns:a16="http://schemas.microsoft.com/office/drawing/2014/main" id="{E690D20F-28C6-B7AA-E544-25C4D940EE2A}"/>
+                <a16:creationId xmlns:a16="http://schemas.microsoft.com/office/drawing/2014/main" id="{7C6474A3-E4CB-D686-6E64-E9AC9DBF25AE}"/>
               </a:ext>
             </a:extLst>
           </p:cNvPr>
@@ -2196,7 +2196,7 @@
           <p:cNvPr id="3" name="内容占位符 2">
             <a:extLst>
               <a:ext uri="{FF2B5EF4-FFF2-40B4-BE49-F238E27FC236}">
-                <a16:creationId xmlns:a16="http://schemas.microsoft.com/office/drawing/2014/main" id="{E0AE0848-2E49-3FCE-A93A-01421FDB4936}"/>
+                <a16:creationId xmlns:a16="http://schemas.microsoft.com/office/drawing/2014/main" id="{380F62DA-2447-51D7-05E6-B8504414C9AE}"/>
               </a:ext>
             </a:extLst>
           </p:cNvPr>
@@ -2286,7 +2286,7 @@
           <p:cNvPr id="4" name="文本占位符 3">
             <a:extLst>
               <a:ext uri="{FF2B5EF4-FFF2-40B4-BE49-F238E27FC236}">
-                <a16:creationId xmlns:a16="http://schemas.microsoft.com/office/drawing/2014/main" id="{499EA3E9-E790-E1DF-41E9-C195A2A4769D}"/>
+                <a16:creationId xmlns:a16="http://schemas.microsoft.com/office/drawing/2014/main" id="{62D4640E-E073-330D-568B-D97E28E2E1B5}"/>
               </a:ext>
             </a:extLst>
           </p:cNvPr>
@@ -2357,7 +2357,7 @@
           <p:cNvPr id="5" name="日期占位符 4">
             <a:extLst>
               <a:ext uri="{FF2B5EF4-FFF2-40B4-BE49-F238E27FC236}">
-                <a16:creationId xmlns:a16="http://schemas.microsoft.com/office/drawing/2014/main" id="{4B5F712F-7D3D-9427-09A7-D5A575F59429}"/>
+                <a16:creationId xmlns:a16="http://schemas.microsoft.com/office/drawing/2014/main" id="{F28384D4-6167-34EE-E90E-31C0C1A5FAA8}"/>
               </a:ext>
             </a:extLst>
           </p:cNvPr>
@@ -2373,7 +2373,7 @@
           <a:bodyPr/>
           <a:lstStyle/>
           <a:p>
-            <a:fld id="{F5B147F0-FF10-4B2B-BB9B-55A7482AE88B}" type="datetimeFigureOut">
+            <a:fld id="{ABAA227A-B17E-4995-930F-A32CBACFA1CF}" type="datetimeFigureOut">
               <a:rPr lang="zh-CN" altLang="en-US" smtClean="0"/>
               <a:t>2024/3/10</a:t>
             </a:fld>
@@ -2386,7 +2386,7 @@
           <p:cNvPr id="6" name="页脚占位符 5">
             <a:extLst>
               <a:ext uri="{FF2B5EF4-FFF2-40B4-BE49-F238E27FC236}">
-                <a16:creationId xmlns:a16="http://schemas.microsoft.com/office/drawing/2014/main" id="{96C5592C-A748-89C7-F276-A0C4C12F9668}"/>
+                <a16:creationId xmlns:a16="http://schemas.microsoft.com/office/drawing/2014/main" id="{D0730E40-B830-37CD-DCC5-6260211B1317}"/>
               </a:ext>
             </a:extLst>
           </p:cNvPr>
@@ -2411,7 +2411,7 @@
           <p:cNvPr id="7" name="灯片编号占位符 6">
             <a:extLst>
               <a:ext uri="{FF2B5EF4-FFF2-40B4-BE49-F238E27FC236}">
-                <a16:creationId xmlns:a16="http://schemas.microsoft.com/office/drawing/2014/main" id="{014CE47E-0EEA-2444-A37D-E63D4EA63A63}"/>
+                <a16:creationId xmlns:a16="http://schemas.microsoft.com/office/drawing/2014/main" id="{732F50AD-E300-2D3A-7ACB-4B816DD815CD}"/>
               </a:ext>
             </a:extLst>
           </p:cNvPr>
@@ -2427,7 +2427,7 @@
           <a:bodyPr/>
           <a:lstStyle/>
           <a:p>
-            <a:fld id="{04F9D742-66CA-43B6-AC47-10E089F379B2}" type="slidenum">
+            <a:fld id="{713D8405-DD2C-4371-88C3-E0669B7B535B}" type="slidenum">
               <a:rPr lang="zh-CN" altLang="en-US" smtClean="0"/>
               <a:t>‹#›</a:t>
             </a:fld>
@@ -2438,7 +2438,7 @@
     </p:spTree>
     <p:extLst>
       <p:ext uri="{BB962C8B-B14F-4D97-AF65-F5344CB8AC3E}">
-        <p14:creationId xmlns:p14="http://schemas.microsoft.com/office/powerpoint/2010/main" val="2732621314"/>
+        <p14:creationId xmlns:p14="http://schemas.microsoft.com/office/powerpoint/2010/main" val="1451833932"/>
       </p:ext>
     </p:extLst>
   </p:cSld>
@@ -2470,7 +2470,7 @@
           <p:cNvPr id="2" name="标题 1">
             <a:extLst>
               <a:ext uri="{FF2B5EF4-FFF2-40B4-BE49-F238E27FC236}">
-                <a16:creationId xmlns:a16="http://schemas.microsoft.com/office/drawing/2014/main" id="{11FD669E-3CF9-25E9-F4CF-3400F3BB52AE}"/>
+                <a16:creationId xmlns:a16="http://schemas.microsoft.com/office/drawing/2014/main" id="{BB164BFB-4259-9BD0-1FBB-B9965C457880}"/>
               </a:ext>
             </a:extLst>
           </p:cNvPr>
@@ -2507,7 +2507,7 @@
           <p:cNvPr id="3" name="图片占位符 2">
             <a:extLst>
               <a:ext uri="{FF2B5EF4-FFF2-40B4-BE49-F238E27FC236}">
-                <a16:creationId xmlns:a16="http://schemas.microsoft.com/office/drawing/2014/main" id="{7A87C1D3-124D-AA8A-4891-E987DFCE9959}"/>
+                <a16:creationId xmlns:a16="http://schemas.microsoft.com/office/drawing/2014/main" id="{AF6EDDB5-7032-F4E3-7620-8F0A315D583A}"/>
               </a:ext>
             </a:extLst>
           </p:cNvPr>
@@ -2574,7 +2574,7 @@
           <p:cNvPr id="4" name="文本占位符 3">
             <a:extLst>
               <a:ext uri="{FF2B5EF4-FFF2-40B4-BE49-F238E27FC236}">
-                <a16:creationId xmlns:a16="http://schemas.microsoft.com/office/drawing/2014/main" id="{6513713B-42CE-C853-573D-FD025BCCE022}"/>
+                <a16:creationId xmlns:a16="http://schemas.microsoft.com/office/drawing/2014/main" id="{D158971F-BF36-2380-692B-BD18DE409BC3}"/>
               </a:ext>
             </a:extLst>
           </p:cNvPr>
@@ -2645,7 +2645,7 @@
           <p:cNvPr id="5" name="日期占位符 4">
             <a:extLst>
               <a:ext uri="{FF2B5EF4-FFF2-40B4-BE49-F238E27FC236}">
-                <a16:creationId xmlns:a16="http://schemas.microsoft.com/office/drawing/2014/main" id="{8CA8A11E-0F5A-2E00-DAB5-0A9106A3B8B2}"/>
+                <a16:creationId xmlns:a16="http://schemas.microsoft.com/office/drawing/2014/main" id="{8532E10B-C682-6A8C-6CFD-2E2396C2ACF3}"/>
               </a:ext>
             </a:extLst>
           </p:cNvPr>
@@ -2661,7 +2661,7 @@
           <a:bodyPr/>
           <a:lstStyle/>
           <a:p>
-            <a:fld id="{F5B147F0-FF10-4B2B-BB9B-55A7482AE88B}" type="datetimeFigureOut">
+            <a:fld id="{ABAA227A-B17E-4995-930F-A32CBACFA1CF}" type="datetimeFigureOut">
               <a:rPr lang="zh-CN" altLang="en-US" smtClean="0"/>
               <a:t>2024/3/10</a:t>
             </a:fld>
@@ -2674,7 +2674,7 @@
           <p:cNvPr id="6" name="页脚占位符 5">
             <a:extLst>
               <a:ext uri="{FF2B5EF4-FFF2-40B4-BE49-F238E27FC236}">
-                <a16:creationId xmlns:a16="http://schemas.microsoft.com/office/drawing/2014/main" id="{18DC6355-056A-BF33-D125-4D41B41288D9}"/>
+                <a16:creationId xmlns:a16="http://schemas.microsoft.com/office/drawing/2014/main" id="{4874F7D8-3BFC-F496-5607-E4F730CE5740}"/>
               </a:ext>
             </a:extLst>
           </p:cNvPr>
@@ -2699,7 +2699,7 @@
           <p:cNvPr id="7" name="灯片编号占位符 6">
             <a:extLst>
               <a:ext uri="{FF2B5EF4-FFF2-40B4-BE49-F238E27FC236}">
-                <a16:creationId xmlns:a16="http://schemas.microsoft.com/office/drawing/2014/main" id="{8EBE8131-F157-4B6E-83D3-7DEBD683BBD0}"/>
+                <a16:creationId xmlns:a16="http://schemas.microsoft.com/office/drawing/2014/main" id="{14D14A44-7508-5FD3-2B83-D959071A1117}"/>
               </a:ext>
             </a:extLst>
           </p:cNvPr>
@@ -2715,7 +2715,7 @@
           <a:bodyPr/>
           <a:lstStyle/>
           <a:p>
-            <a:fld id="{04F9D742-66CA-43B6-AC47-10E089F379B2}" type="slidenum">
+            <a:fld id="{713D8405-DD2C-4371-88C3-E0669B7B535B}" type="slidenum">
               <a:rPr lang="zh-CN" altLang="en-US" smtClean="0"/>
               <a:t>‹#›</a:t>
             </a:fld>
@@ -2726,7 +2726,7 @@
     </p:spTree>
     <p:extLst>
       <p:ext uri="{BB962C8B-B14F-4D97-AF65-F5344CB8AC3E}">
-        <p14:creationId xmlns:p14="http://schemas.microsoft.com/office/powerpoint/2010/main" val="3410052382"/>
+        <p14:creationId xmlns:p14="http://schemas.microsoft.com/office/powerpoint/2010/main" val="313787977"/>
       </p:ext>
     </p:extLst>
   </p:cSld>
@@ -2763,7 +2763,7 @@
           <p:cNvPr id="2" name="标题占位符 1">
             <a:extLst>
               <a:ext uri="{FF2B5EF4-FFF2-40B4-BE49-F238E27FC236}">
-                <a16:creationId xmlns:a16="http://schemas.microsoft.com/office/drawing/2014/main" id="{32256F0B-1613-B768-9C29-5887C1D0C6FB}"/>
+                <a16:creationId xmlns:a16="http://schemas.microsoft.com/office/drawing/2014/main" id="{DE791357-1A69-66CB-EC49-94FB6FF553AC}"/>
               </a:ext>
             </a:extLst>
           </p:cNvPr>
@@ -2801,7 +2801,7 @@
           <p:cNvPr id="3" name="文本占位符 2">
             <a:extLst>
               <a:ext uri="{FF2B5EF4-FFF2-40B4-BE49-F238E27FC236}">
-                <a16:creationId xmlns:a16="http://schemas.microsoft.com/office/drawing/2014/main" id="{5C0A5EAC-0E09-94EE-6305-BC31D7E12A73}"/>
+                <a16:creationId xmlns:a16="http://schemas.microsoft.com/office/drawing/2014/main" id="{64C17909-6A16-D9ED-E0BE-4C891766A852}"/>
               </a:ext>
             </a:extLst>
           </p:cNvPr>
@@ -2868,7 +2868,7 @@
           <p:cNvPr id="4" name="日期占位符 3">
             <a:extLst>
               <a:ext uri="{FF2B5EF4-FFF2-40B4-BE49-F238E27FC236}">
-                <a16:creationId xmlns:a16="http://schemas.microsoft.com/office/drawing/2014/main" id="{CB56DDFE-D31F-5E0D-7707-506FD1574053}"/>
+                <a16:creationId xmlns:a16="http://schemas.microsoft.com/office/drawing/2014/main" id="{8DD95F99-6578-6448-6D6E-82CEDDAB0B77}"/>
               </a:ext>
             </a:extLst>
           </p:cNvPr>
@@ -2902,7 +2902,7 @@
             </a:lvl1pPr>
           </a:lstStyle>
           <a:p>
-            <a:fld id="{F5B147F0-FF10-4B2B-BB9B-55A7482AE88B}" type="datetimeFigureOut">
+            <a:fld id="{ABAA227A-B17E-4995-930F-A32CBACFA1CF}" type="datetimeFigureOut">
               <a:rPr lang="zh-CN" altLang="en-US" smtClean="0"/>
               <a:t>2024/3/10</a:t>
             </a:fld>
@@ -2915,7 +2915,7 @@
           <p:cNvPr id="5" name="页脚占位符 4">
             <a:extLst>
               <a:ext uri="{FF2B5EF4-FFF2-40B4-BE49-F238E27FC236}">
-                <a16:creationId xmlns:a16="http://schemas.microsoft.com/office/drawing/2014/main" id="{C522B9E5-5EFB-0F0B-ADEE-462EC869ED0D}"/>
+                <a16:creationId xmlns:a16="http://schemas.microsoft.com/office/drawing/2014/main" id="{11DAD808-BF94-F6D9-1043-4A5F9EB45360}"/>
               </a:ext>
             </a:extLst>
           </p:cNvPr>
@@ -2958,7 +2958,7 @@
           <p:cNvPr id="6" name="灯片编号占位符 5">
             <a:extLst>
               <a:ext uri="{FF2B5EF4-FFF2-40B4-BE49-F238E27FC236}">
-                <a16:creationId xmlns:a16="http://schemas.microsoft.com/office/drawing/2014/main" id="{4A5FDACC-A958-BC3B-AB41-E758EA656238}"/>
+                <a16:creationId xmlns:a16="http://schemas.microsoft.com/office/drawing/2014/main" id="{49FFA81A-9801-67B9-69A8-81AEDF788132}"/>
               </a:ext>
             </a:extLst>
           </p:cNvPr>
@@ -2992,7 +2992,7 @@
             </a:lvl1pPr>
           </a:lstStyle>
           <a:p>
-            <a:fld id="{04F9D742-66CA-43B6-AC47-10E089F379B2}" type="slidenum">
+            <a:fld id="{713D8405-DD2C-4371-88C3-E0669B7B535B}" type="slidenum">
               <a:rPr lang="zh-CN" altLang="en-US" smtClean="0"/>
               <a:t>‹#›</a:t>
             </a:fld>
@@ -3003,7 +3003,7 @@
     </p:spTree>
     <p:extLst>
       <p:ext uri="{BB962C8B-B14F-4D97-AF65-F5344CB8AC3E}">
-        <p14:creationId xmlns:p14="http://schemas.microsoft.com/office/powerpoint/2010/main" val="1106071232"/>
+        <p14:creationId xmlns:p14="http://schemas.microsoft.com/office/powerpoint/2010/main" val="3907155417"/>
       </p:ext>
     </p:extLst>
   </p:cSld>
@@ -3323,7 +3323,7 @@
       </p:grpSpPr>
       <p:pic>
         <p:nvPicPr>
-          <p:cNvPr id="1223682" name="Picture 2" descr="1194"/>
+          <p:cNvPr id="1224706" name="Picture 2" descr="1195"/>
           <p:cNvPicPr>
             <a:picLocks noChangeAspect="1" noChangeArrowheads="1"/>
           </p:cNvPicPr>
@@ -3344,8 +3344,8 @@
         </p:blipFill>
         <p:spPr bwMode="auto">
           <a:xfrm>
-            <a:off x="1524000" y="1"/>
-            <a:ext cx="9144000" cy="4652963"/>
+            <a:off x="1558925" y="1"/>
+            <a:ext cx="9074150" cy="6805613"/>
           </a:xfrm>
           <a:prstGeom prst="rect">
             <a:avLst/>
